--- a/Later/Thread/32/Java_ThreadGroup.pptx
+++ b/Later/Thread/32/Java_ThreadGroup.pptx
@@ -3836,7 +3836,7 @@
         </p:nvSpPr>
         <p:spPr>
           <a:xfrm>
-            <a:off x="2590800" y="2657147"/>
+            <a:off x="460375" y="2953196"/>
             <a:ext cx="3733800" cy="1905000"/>
           </a:xfrm>
           <a:prstGeom prst="roundRect">
@@ -3875,7 +3875,7 @@
         </p:nvSpPr>
         <p:spPr>
           <a:xfrm>
-            <a:off x="3008960" y="2823835"/>
+            <a:off x="878535" y="3119884"/>
             <a:ext cx="485775" cy="1038225"/>
           </a:xfrm>
           <a:custGeom>
@@ -4210,7 +4210,7 @@
         </p:nvSpPr>
         <p:spPr>
           <a:xfrm>
-            <a:off x="4294835" y="2861934"/>
+            <a:off x="2164410" y="3157983"/>
             <a:ext cx="285750" cy="1133475"/>
           </a:xfrm>
           <a:custGeom>
@@ -4487,7 +4487,7 @@
         </p:nvSpPr>
         <p:spPr>
           <a:xfrm>
-            <a:off x="5380685" y="2823835"/>
+            <a:off x="3250260" y="3119884"/>
             <a:ext cx="411892" cy="1219200"/>
           </a:xfrm>
           <a:custGeom>
@@ -4856,7 +4856,7 @@
         </p:nvSpPr>
         <p:spPr>
           <a:xfrm>
-            <a:off x="3067050" y="4071610"/>
+            <a:off x="936625" y="4367659"/>
             <a:ext cx="325730" cy="261610"/>
           </a:xfrm>
           <a:prstGeom prst="rect">
@@ -4899,7 +4899,7 @@
         </p:nvSpPr>
         <p:spPr>
           <a:xfrm>
-            <a:off x="5423766" y="4185910"/>
+            <a:off x="3293341" y="4481959"/>
             <a:ext cx="325730" cy="261610"/>
           </a:xfrm>
           <a:prstGeom prst="rect">
@@ -4942,7 +4942,7 @@
         </p:nvSpPr>
         <p:spPr>
           <a:xfrm>
-            <a:off x="4294835" y="4190345"/>
+            <a:off x="2164410" y="4486394"/>
             <a:ext cx="325730" cy="261610"/>
           </a:xfrm>
           <a:prstGeom prst="rect">
@@ -4985,7 +4985,7 @@
         </p:nvSpPr>
         <p:spPr>
           <a:xfrm>
-            <a:off x="3951664" y="2309485"/>
+            <a:off x="1821239" y="2605534"/>
             <a:ext cx="1012072" cy="276999"/>
           </a:xfrm>
           <a:prstGeom prst="rect">
@@ -5028,7 +5028,7 @@
         <p:spPr>
           <a:xfrm>
             <a:off x="155575" y="457200"/>
-            <a:ext cx="8836025" cy="1143000"/>
+            <a:ext cx="8836025" cy="1981200"/>
           </a:xfrm>
           <a:prstGeom prst="roundRect">
             <a:avLst/>
@@ -5092,9 +5092,1308 @@
             </a:r>
             <a:r>
               <a:rPr lang="en-US" sz="1200" dirty="0"/>
-              <a:t> class</a:t>
-            </a:r>
+              <a:t> </a:t>
+            </a:r>
+            <a:r>
+              <a:rPr lang="en-US" sz="1200" dirty="0" smtClean="0"/>
+              <a:t>class</a:t>
+            </a:r>
+          </a:p>
+          <a:p>
+            <a:pPr marL="171450" indent="-171450">
+              <a:buFont typeface="Wingdings" pitchFamily="2" charset="2"/>
+              <a:buChar char="ü"/>
+            </a:pPr>
             <a:endParaRPr lang="en-US" sz="1200" dirty="0"/>
+          </a:p>
+          <a:p>
+            <a:pPr marL="171450" indent="-171450">
+              <a:buFont typeface="Wingdings" pitchFamily="2" charset="2"/>
+              <a:buChar char="ü"/>
+            </a:pPr>
+            <a:r>
+              <a:rPr lang="en-US" sz="1200" dirty="0"/>
+              <a:t>A thread group represents a set of threads. In addition, a thread group can also include other thread groups. The thread groups form a tree in which every thread group except the initial thread group has a parent</a:t>
+            </a:r>
+            <a:r>
+              <a:rPr lang="en-US" sz="1200" dirty="0" smtClean="0"/>
+              <a:t>.</a:t>
+            </a:r>
+          </a:p>
+          <a:p>
+            <a:pPr marL="171450" indent="-171450">
+              <a:buFont typeface="Wingdings" pitchFamily="2" charset="2"/>
+              <a:buChar char="ü"/>
+            </a:pPr>
+            <a:endParaRPr lang="en-US" sz="1200" dirty="0"/>
+          </a:p>
+          <a:p>
+            <a:pPr marL="171450" indent="-171450">
+              <a:buFont typeface="Wingdings" pitchFamily="2" charset="2"/>
+              <a:buChar char="ü"/>
+            </a:pPr>
+            <a:r>
+              <a:rPr lang="en-US" sz="1200" dirty="0"/>
+              <a:t>A thread is allowed to access information about its own thread group, but not to access information about its thread group's parent thread group or any other thread groups.</a:t>
+            </a:r>
+            <a:endParaRPr lang="en-US" sz="1200" dirty="0"/>
+          </a:p>
+        </p:txBody>
+      </p:sp>
+      <p:sp>
+        <p:nvSpPr>
+          <p:cNvPr id="2" name="Rounded Rectangle 1"/>
+          <p:cNvSpPr/>
+          <p:nvPr/>
+        </p:nvSpPr>
+        <p:spPr>
+          <a:xfrm>
+            <a:off x="5029200" y="2953196"/>
+            <a:ext cx="3505200" cy="1905000"/>
+          </a:xfrm>
+          <a:prstGeom prst="roundRect">
+            <a:avLst/>
+          </a:prstGeom>
+          <a:ln w="3175"/>
+        </p:spPr>
+        <p:style>
+          <a:lnRef idx="2">
+            <a:schemeClr val="accent5"/>
+          </a:lnRef>
+          <a:fillRef idx="1">
+            <a:schemeClr val="lt1"/>
+          </a:fillRef>
+          <a:effectRef idx="0">
+            <a:schemeClr val="accent5"/>
+          </a:effectRef>
+          <a:fontRef idx="minor">
+            <a:schemeClr val="dk1"/>
+          </a:fontRef>
+        </p:style>
+        <p:txBody>
+          <a:bodyPr rtlCol="0" anchor="ctr"/>
+          <a:lstStyle/>
+          <a:p>
+            <a:pPr algn="ctr"/>
+            <a:endParaRPr lang="en-US"/>
+          </a:p>
+        </p:txBody>
+      </p:sp>
+      <p:sp>
+        <p:nvSpPr>
+          <p:cNvPr id="14" name="Rectangle 13"/>
+          <p:cNvSpPr/>
+          <p:nvPr/>
+        </p:nvSpPr>
+        <p:spPr>
+          <a:xfrm>
+            <a:off x="6172200" y="2605533"/>
+            <a:ext cx="1012072" cy="276999"/>
+          </a:xfrm>
+          <a:prstGeom prst="rect">
+            <a:avLst/>
+          </a:prstGeom>
+        </p:spPr>
+        <p:style>
+          <a:lnRef idx="1">
+            <a:schemeClr val="accent5"/>
+          </a:lnRef>
+          <a:fillRef idx="3">
+            <a:schemeClr val="accent5"/>
+          </a:fillRef>
+          <a:effectRef idx="2">
+            <a:schemeClr val="accent5"/>
+          </a:effectRef>
+          <a:fontRef idx="minor">
+            <a:schemeClr val="lt1"/>
+          </a:fontRef>
+        </p:style>
+        <p:txBody>
+          <a:bodyPr wrap="none">
+            <a:spAutoFit/>
+          </a:bodyPr>
+          <a:lstStyle/>
+          <a:p>
+            <a:r>
+              <a:rPr lang="en-US" sz="1200" dirty="0"/>
+              <a:t>ThreadGroup</a:t>
+            </a:r>
+          </a:p>
+        </p:txBody>
+      </p:sp>
+      <p:sp>
+        <p:nvSpPr>
+          <p:cNvPr id="5" name="Oval 4"/>
+          <p:cNvSpPr/>
+          <p:nvPr/>
+        </p:nvSpPr>
+        <p:spPr>
+          <a:xfrm>
+            <a:off x="5257800" y="3724720"/>
+            <a:ext cx="914400" cy="566738"/>
+          </a:xfrm>
+          <a:prstGeom prst="ellipse">
+            <a:avLst/>
+          </a:prstGeom>
+        </p:spPr>
+        <p:style>
+          <a:lnRef idx="1">
+            <a:schemeClr val="dk1"/>
+          </a:lnRef>
+          <a:fillRef idx="2">
+            <a:schemeClr val="dk1"/>
+          </a:fillRef>
+          <a:effectRef idx="1">
+            <a:schemeClr val="dk1"/>
+          </a:effectRef>
+          <a:fontRef idx="minor">
+            <a:schemeClr val="dk1"/>
+          </a:fontRef>
+        </p:style>
+        <p:txBody>
+          <a:bodyPr rtlCol="0" anchor="ctr"/>
+          <a:lstStyle/>
+          <a:p>
+            <a:pPr algn="ctr"/>
+            <a:endParaRPr lang="en-US"/>
+          </a:p>
+        </p:txBody>
+      </p:sp>
+      <p:sp>
+        <p:nvSpPr>
+          <p:cNvPr id="16" name="Oval 15"/>
+          <p:cNvSpPr/>
+          <p:nvPr/>
+        </p:nvSpPr>
+        <p:spPr>
+          <a:xfrm>
+            <a:off x="7467600" y="3706115"/>
+            <a:ext cx="914400" cy="566738"/>
+          </a:xfrm>
+          <a:prstGeom prst="ellipse">
+            <a:avLst/>
+          </a:prstGeom>
+        </p:spPr>
+        <p:style>
+          <a:lnRef idx="1">
+            <a:schemeClr val="dk1"/>
+          </a:lnRef>
+          <a:fillRef idx="2">
+            <a:schemeClr val="dk1"/>
+          </a:fillRef>
+          <a:effectRef idx="1">
+            <a:schemeClr val="dk1"/>
+          </a:effectRef>
+          <a:fontRef idx="minor">
+            <a:schemeClr val="dk1"/>
+          </a:fontRef>
+        </p:style>
+        <p:txBody>
+          <a:bodyPr rtlCol="0" anchor="ctr"/>
+          <a:lstStyle/>
+          <a:p>
+            <a:pPr algn="ctr"/>
+            <a:endParaRPr lang="en-US"/>
+          </a:p>
+        </p:txBody>
+      </p:sp>
+      <p:sp>
+        <p:nvSpPr>
+          <p:cNvPr id="18" name="Oval 17"/>
+          <p:cNvSpPr/>
+          <p:nvPr/>
+        </p:nvSpPr>
+        <p:spPr>
+          <a:xfrm>
+            <a:off x="6324600" y="3724720"/>
+            <a:ext cx="914400" cy="566738"/>
+          </a:xfrm>
+          <a:prstGeom prst="ellipse">
+            <a:avLst/>
+          </a:prstGeom>
+        </p:spPr>
+        <p:style>
+          <a:lnRef idx="1">
+            <a:schemeClr val="dk1"/>
+          </a:lnRef>
+          <a:fillRef idx="2">
+            <a:schemeClr val="dk1"/>
+          </a:fillRef>
+          <a:effectRef idx="1">
+            <a:schemeClr val="dk1"/>
+          </a:effectRef>
+          <a:fontRef idx="minor">
+            <a:schemeClr val="dk1"/>
+          </a:fontRef>
+        </p:style>
+        <p:txBody>
+          <a:bodyPr rtlCol="0" anchor="ctr"/>
+          <a:lstStyle/>
+          <a:p>
+            <a:pPr algn="ctr"/>
+            <a:endParaRPr lang="en-US"/>
+          </a:p>
+        </p:txBody>
+      </p:sp>
+      <p:sp>
+        <p:nvSpPr>
+          <p:cNvPr id="15" name="Freeform 14"/>
+          <p:cNvSpPr/>
+          <p:nvPr/>
+        </p:nvSpPr>
+        <p:spPr>
+          <a:xfrm>
+            <a:off x="5476486" y="3924300"/>
+            <a:ext cx="190889" cy="266700"/>
+          </a:xfrm>
+          <a:custGeom>
+            <a:avLst/>
+            <a:gdLst>
+              <a:gd name="connsiteX0" fmla="*/ 19439 w 190889"/>
+              <a:gd name="connsiteY0" fmla="*/ 0 h 266700"/>
+              <a:gd name="connsiteX1" fmla="*/ 389 w 190889"/>
+              <a:gd name="connsiteY1" fmla="*/ 47625 h 266700"/>
+              <a:gd name="connsiteX2" fmla="*/ 95639 w 190889"/>
+              <a:gd name="connsiteY2" fmla="*/ 142875 h 266700"/>
+              <a:gd name="connsiteX3" fmla="*/ 133739 w 190889"/>
+              <a:gd name="connsiteY3" fmla="*/ 152400 h 266700"/>
+              <a:gd name="connsiteX4" fmla="*/ 190889 w 190889"/>
+              <a:gd name="connsiteY4" fmla="*/ 171450 h 266700"/>
+              <a:gd name="connsiteX5" fmla="*/ 162314 w 190889"/>
+              <a:gd name="connsiteY5" fmla="*/ 190500 h 266700"/>
+              <a:gd name="connsiteX6" fmla="*/ 86114 w 190889"/>
+              <a:gd name="connsiteY6" fmla="*/ 200025 h 266700"/>
+              <a:gd name="connsiteX7" fmla="*/ 57539 w 190889"/>
+              <a:gd name="connsiteY7" fmla="*/ 209550 h 266700"/>
+              <a:gd name="connsiteX8" fmla="*/ 28964 w 190889"/>
+              <a:gd name="connsiteY8" fmla="*/ 238125 h 266700"/>
+              <a:gd name="connsiteX9" fmla="*/ 57539 w 190889"/>
+              <a:gd name="connsiteY9" fmla="*/ 257175 h 266700"/>
+              <a:gd name="connsiteX10" fmla="*/ 95639 w 190889"/>
+              <a:gd name="connsiteY10" fmla="*/ 266700 h 266700"/>
+            </a:gdLst>
+            <a:ahLst/>
+            <a:cxnLst>
+              <a:cxn ang="0">
+                <a:pos x="connsiteX0" y="connsiteY0"/>
+              </a:cxn>
+              <a:cxn ang="0">
+                <a:pos x="connsiteX1" y="connsiteY1"/>
+              </a:cxn>
+              <a:cxn ang="0">
+                <a:pos x="connsiteX2" y="connsiteY2"/>
+              </a:cxn>
+              <a:cxn ang="0">
+                <a:pos x="connsiteX3" y="connsiteY3"/>
+              </a:cxn>
+              <a:cxn ang="0">
+                <a:pos x="connsiteX4" y="connsiteY4"/>
+              </a:cxn>
+              <a:cxn ang="0">
+                <a:pos x="connsiteX5" y="connsiteY5"/>
+              </a:cxn>
+              <a:cxn ang="0">
+                <a:pos x="connsiteX6" y="connsiteY6"/>
+              </a:cxn>
+              <a:cxn ang="0">
+                <a:pos x="connsiteX7" y="connsiteY7"/>
+              </a:cxn>
+              <a:cxn ang="0">
+                <a:pos x="connsiteX8" y="connsiteY8"/>
+              </a:cxn>
+              <a:cxn ang="0">
+                <a:pos x="connsiteX9" y="connsiteY9"/>
+              </a:cxn>
+              <a:cxn ang="0">
+                <a:pos x="connsiteX10" y="connsiteY10"/>
+              </a:cxn>
+            </a:cxnLst>
+            <a:rect l="l" t="t" r="r" b="b"/>
+            <a:pathLst>
+              <a:path w="190889" h="266700">
+                <a:moveTo>
+                  <a:pt x="19439" y="0"/>
+                </a:moveTo>
+                <a:cubicBezTo>
+                  <a:pt x="13089" y="15875"/>
+                  <a:pt x="-2670" y="30803"/>
+                  <a:pt x="389" y="47625"/>
+                </a:cubicBezTo>
+                <a:cubicBezTo>
+                  <a:pt x="6437" y="80887"/>
+                  <a:pt x="64191" y="135013"/>
+                  <a:pt x="95639" y="142875"/>
+                </a:cubicBezTo>
+                <a:cubicBezTo>
+                  <a:pt x="108339" y="146050"/>
+                  <a:pt x="121200" y="148638"/>
+                  <a:pt x="133739" y="152400"/>
+                </a:cubicBezTo>
+                <a:cubicBezTo>
+                  <a:pt x="152973" y="158170"/>
+                  <a:pt x="190889" y="171450"/>
+                  <a:pt x="190889" y="171450"/>
+                </a:cubicBezTo>
+                <a:cubicBezTo>
+                  <a:pt x="181364" y="177800"/>
+                  <a:pt x="173358" y="187488"/>
+                  <a:pt x="162314" y="190500"/>
+                </a:cubicBezTo>
+                <a:cubicBezTo>
+                  <a:pt x="137618" y="197235"/>
+                  <a:pt x="111299" y="195446"/>
+                  <a:pt x="86114" y="200025"/>
+                </a:cubicBezTo>
+                <a:cubicBezTo>
+                  <a:pt x="76236" y="201821"/>
+                  <a:pt x="67064" y="206375"/>
+                  <a:pt x="57539" y="209550"/>
+                </a:cubicBezTo>
+                <a:cubicBezTo>
+                  <a:pt x="48014" y="219075"/>
+                  <a:pt x="28964" y="224655"/>
+                  <a:pt x="28964" y="238125"/>
+                </a:cubicBezTo>
+                <a:cubicBezTo>
+                  <a:pt x="28964" y="249573"/>
+                  <a:pt x="47017" y="252666"/>
+                  <a:pt x="57539" y="257175"/>
+                </a:cubicBezTo>
+                <a:cubicBezTo>
+                  <a:pt x="69571" y="262332"/>
+                  <a:pt x="95639" y="266700"/>
+                  <a:pt x="95639" y="266700"/>
+                </a:cubicBezTo>
+              </a:path>
+            </a:pathLst>
+          </a:custGeom>
+          <a:noFill/>
+        </p:spPr>
+        <p:style>
+          <a:lnRef idx="2">
+            <a:schemeClr val="accent1">
+              <a:shade val="50000"/>
+            </a:schemeClr>
+          </a:lnRef>
+          <a:fillRef idx="1">
+            <a:schemeClr val="accent1"/>
+          </a:fillRef>
+          <a:effectRef idx="0">
+            <a:schemeClr val="accent1"/>
+          </a:effectRef>
+          <a:fontRef idx="minor">
+            <a:schemeClr val="lt1"/>
+          </a:fontRef>
+        </p:style>
+        <p:txBody>
+          <a:bodyPr rtlCol="0" anchor="ctr"/>
+          <a:lstStyle/>
+          <a:p>
+            <a:pPr algn="ctr"/>
+            <a:endParaRPr lang="en-US"/>
+          </a:p>
+        </p:txBody>
+      </p:sp>
+      <p:sp>
+        <p:nvSpPr>
+          <p:cNvPr id="19" name="Freeform 18"/>
+          <p:cNvSpPr/>
+          <p:nvPr/>
+        </p:nvSpPr>
+        <p:spPr>
+          <a:xfrm>
+            <a:off x="5740015" y="3924300"/>
+            <a:ext cx="175010" cy="267562"/>
+          </a:xfrm>
+          <a:custGeom>
+            <a:avLst/>
+            <a:gdLst>
+              <a:gd name="connsiteX0" fmla="*/ 175010 w 175010"/>
+              <a:gd name="connsiteY0" fmla="*/ 0 h 267562"/>
+              <a:gd name="connsiteX1" fmla="*/ 32135 w 175010"/>
+              <a:gd name="connsiteY1" fmla="*/ 9525 h 267562"/>
+              <a:gd name="connsiteX2" fmla="*/ 13085 w 175010"/>
+              <a:gd name="connsiteY2" fmla="*/ 133350 h 267562"/>
+              <a:gd name="connsiteX3" fmla="*/ 60710 w 175010"/>
+              <a:gd name="connsiteY3" fmla="*/ 152400 h 267562"/>
+              <a:gd name="connsiteX4" fmla="*/ 98810 w 175010"/>
+              <a:gd name="connsiteY4" fmla="*/ 161925 h 267562"/>
+              <a:gd name="connsiteX5" fmla="*/ 127385 w 175010"/>
+              <a:gd name="connsiteY5" fmla="*/ 171450 h 267562"/>
+              <a:gd name="connsiteX6" fmla="*/ 146435 w 175010"/>
+              <a:gd name="connsiteY6" fmla="*/ 209550 h 267562"/>
+              <a:gd name="connsiteX7" fmla="*/ 136910 w 175010"/>
+              <a:gd name="connsiteY7" fmla="*/ 247650 h 267562"/>
+              <a:gd name="connsiteX8" fmla="*/ 13085 w 175010"/>
+              <a:gd name="connsiteY8" fmla="*/ 266700 h 267562"/>
+            </a:gdLst>
+            <a:ahLst/>
+            <a:cxnLst>
+              <a:cxn ang="0">
+                <a:pos x="connsiteX0" y="connsiteY0"/>
+              </a:cxn>
+              <a:cxn ang="0">
+                <a:pos x="connsiteX1" y="connsiteY1"/>
+              </a:cxn>
+              <a:cxn ang="0">
+                <a:pos x="connsiteX2" y="connsiteY2"/>
+              </a:cxn>
+              <a:cxn ang="0">
+                <a:pos x="connsiteX3" y="connsiteY3"/>
+              </a:cxn>
+              <a:cxn ang="0">
+                <a:pos x="connsiteX4" y="connsiteY4"/>
+              </a:cxn>
+              <a:cxn ang="0">
+                <a:pos x="connsiteX5" y="connsiteY5"/>
+              </a:cxn>
+              <a:cxn ang="0">
+                <a:pos x="connsiteX6" y="connsiteY6"/>
+              </a:cxn>
+              <a:cxn ang="0">
+                <a:pos x="connsiteX7" y="connsiteY7"/>
+              </a:cxn>
+              <a:cxn ang="0">
+                <a:pos x="connsiteX8" y="connsiteY8"/>
+              </a:cxn>
+            </a:cxnLst>
+            <a:rect l="l" t="t" r="r" b="b"/>
+            <a:pathLst>
+              <a:path w="175010" h="267562">
+                <a:moveTo>
+                  <a:pt x="175010" y="0"/>
+                </a:moveTo>
+                <a:cubicBezTo>
+                  <a:pt x="127385" y="3175"/>
+                  <a:pt x="78729" y="-829"/>
+                  <a:pt x="32135" y="9525"/>
+                </a:cubicBezTo>
+                <a:cubicBezTo>
+                  <a:pt x="-20388" y="21197"/>
+                  <a:pt x="5501" y="118182"/>
+                  <a:pt x="13085" y="133350"/>
+                </a:cubicBezTo>
+                <a:cubicBezTo>
+                  <a:pt x="20731" y="148643"/>
+                  <a:pt x="44490" y="146993"/>
+                  <a:pt x="60710" y="152400"/>
+                </a:cubicBezTo>
+                <a:cubicBezTo>
+                  <a:pt x="73129" y="156540"/>
+                  <a:pt x="86223" y="158329"/>
+                  <a:pt x="98810" y="161925"/>
+                </a:cubicBezTo>
+                <a:cubicBezTo>
+                  <a:pt x="108464" y="164683"/>
+                  <a:pt x="117860" y="168275"/>
+                  <a:pt x="127385" y="171450"/>
+                </a:cubicBezTo>
+                <a:cubicBezTo>
+                  <a:pt x="133735" y="184150"/>
+                  <a:pt x="144674" y="195461"/>
+                  <a:pt x="146435" y="209550"/>
+                </a:cubicBezTo>
+                <a:cubicBezTo>
+                  <a:pt x="148059" y="222540"/>
+                  <a:pt x="146849" y="239131"/>
+                  <a:pt x="136910" y="247650"/>
+                </a:cubicBezTo>
+                <a:cubicBezTo>
+                  <a:pt x="106485" y="273728"/>
+                  <a:pt x="46925" y="266700"/>
+                  <a:pt x="13085" y="266700"/>
+                </a:cubicBezTo>
+              </a:path>
+            </a:pathLst>
+          </a:custGeom>
+          <a:noFill/>
+        </p:spPr>
+        <p:style>
+          <a:lnRef idx="2">
+            <a:schemeClr val="accent1">
+              <a:shade val="50000"/>
+            </a:schemeClr>
+          </a:lnRef>
+          <a:fillRef idx="1">
+            <a:schemeClr val="accent1"/>
+          </a:fillRef>
+          <a:effectRef idx="0">
+            <a:schemeClr val="accent1"/>
+          </a:effectRef>
+          <a:fontRef idx="minor">
+            <a:schemeClr val="lt1"/>
+          </a:fontRef>
+        </p:style>
+        <p:txBody>
+          <a:bodyPr rtlCol="0" anchor="ctr"/>
+          <a:lstStyle/>
+          <a:p>
+            <a:pPr algn="ctr"/>
+            <a:endParaRPr lang="en-US"/>
+          </a:p>
+        </p:txBody>
+      </p:sp>
+      <p:sp>
+        <p:nvSpPr>
+          <p:cNvPr id="20" name="Freeform 19"/>
+          <p:cNvSpPr/>
+          <p:nvPr/>
+        </p:nvSpPr>
+        <p:spPr>
+          <a:xfrm>
+            <a:off x="6548305" y="3914775"/>
+            <a:ext cx="138245" cy="285750"/>
+          </a:xfrm>
+          <a:custGeom>
+            <a:avLst/>
+            <a:gdLst>
+              <a:gd name="connsiteX0" fmla="*/ 52520 w 138245"/>
+              <a:gd name="connsiteY0" fmla="*/ 0 h 285750"/>
+              <a:gd name="connsiteX1" fmla="*/ 23945 w 138245"/>
+              <a:gd name="connsiteY1" fmla="*/ 142875 h 285750"/>
+              <a:gd name="connsiteX2" fmla="*/ 109670 w 138245"/>
+              <a:gd name="connsiteY2" fmla="*/ 152400 h 285750"/>
+              <a:gd name="connsiteX3" fmla="*/ 128720 w 138245"/>
+              <a:gd name="connsiteY3" fmla="*/ 180975 h 285750"/>
+              <a:gd name="connsiteX4" fmla="*/ 138245 w 138245"/>
+              <a:gd name="connsiteY4" fmla="*/ 228600 h 285750"/>
+              <a:gd name="connsiteX5" fmla="*/ 128720 w 138245"/>
+              <a:gd name="connsiteY5" fmla="*/ 257175 h 285750"/>
+              <a:gd name="connsiteX6" fmla="*/ 62045 w 138245"/>
+              <a:gd name="connsiteY6" fmla="*/ 276225 h 285750"/>
+              <a:gd name="connsiteX7" fmla="*/ 52520 w 138245"/>
+              <a:gd name="connsiteY7" fmla="*/ 285750 h 285750"/>
+            </a:gdLst>
+            <a:ahLst/>
+            <a:cxnLst>
+              <a:cxn ang="0">
+                <a:pos x="connsiteX0" y="connsiteY0"/>
+              </a:cxn>
+              <a:cxn ang="0">
+                <a:pos x="connsiteX1" y="connsiteY1"/>
+              </a:cxn>
+              <a:cxn ang="0">
+                <a:pos x="connsiteX2" y="connsiteY2"/>
+              </a:cxn>
+              <a:cxn ang="0">
+                <a:pos x="connsiteX3" y="connsiteY3"/>
+              </a:cxn>
+              <a:cxn ang="0">
+                <a:pos x="connsiteX4" y="connsiteY4"/>
+              </a:cxn>
+              <a:cxn ang="0">
+                <a:pos x="connsiteX5" y="connsiteY5"/>
+              </a:cxn>
+              <a:cxn ang="0">
+                <a:pos x="connsiteX6" y="connsiteY6"/>
+              </a:cxn>
+              <a:cxn ang="0">
+                <a:pos x="connsiteX7" y="connsiteY7"/>
+              </a:cxn>
+            </a:cxnLst>
+            <a:rect l="l" t="t" r="r" b="b"/>
+            <a:pathLst>
+              <a:path w="138245" h="285750">
+                <a:moveTo>
+                  <a:pt x="52520" y="0"/>
+                </a:moveTo>
+                <a:cubicBezTo>
+                  <a:pt x="22352" y="37710"/>
+                  <a:pt x="-31338" y="82064"/>
+                  <a:pt x="23945" y="142875"/>
+                </a:cubicBezTo>
+                <a:cubicBezTo>
+                  <a:pt x="43285" y="164149"/>
+                  <a:pt x="81095" y="149225"/>
+                  <a:pt x="109670" y="152400"/>
+                </a:cubicBezTo>
+                <a:cubicBezTo>
+                  <a:pt x="116020" y="161925"/>
+                  <a:pt x="124700" y="170256"/>
+                  <a:pt x="128720" y="180975"/>
+                </a:cubicBezTo>
+                <a:cubicBezTo>
+                  <a:pt x="134404" y="196134"/>
+                  <a:pt x="138245" y="212411"/>
+                  <a:pt x="138245" y="228600"/>
+                </a:cubicBezTo>
+                <a:cubicBezTo>
+                  <a:pt x="138245" y="238640"/>
+                  <a:pt x="135820" y="250075"/>
+                  <a:pt x="128720" y="257175"/>
+                </a:cubicBezTo>
+                <a:cubicBezTo>
+                  <a:pt x="124102" y="261793"/>
+                  <a:pt x="62457" y="276060"/>
+                  <a:pt x="62045" y="276225"/>
+                </a:cubicBezTo>
+                <a:cubicBezTo>
+                  <a:pt x="57876" y="277893"/>
+                  <a:pt x="55695" y="282575"/>
+                  <a:pt x="52520" y="285750"/>
+                </a:cubicBezTo>
+              </a:path>
+            </a:pathLst>
+          </a:custGeom>
+          <a:noFill/>
+        </p:spPr>
+        <p:style>
+          <a:lnRef idx="2">
+            <a:schemeClr val="accent1">
+              <a:shade val="50000"/>
+            </a:schemeClr>
+          </a:lnRef>
+          <a:fillRef idx="1">
+            <a:schemeClr val="accent1"/>
+          </a:fillRef>
+          <a:effectRef idx="0">
+            <a:schemeClr val="accent1"/>
+          </a:effectRef>
+          <a:fontRef idx="minor">
+            <a:schemeClr val="lt1"/>
+          </a:fontRef>
+        </p:style>
+        <p:txBody>
+          <a:bodyPr rtlCol="0" anchor="ctr"/>
+          <a:lstStyle/>
+          <a:p>
+            <a:pPr algn="ctr"/>
+            <a:endParaRPr lang="en-US"/>
+          </a:p>
+        </p:txBody>
+      </p:sp>
+      <p:sp>
+        <p:nvSpPr>
+          <p:cNvPr id="21" name="Freeform 20"/>
+          <p:cNvSpPr/>
+          <p:nvPr/>
+        </p:nvSpPr>
+        <p:spPr>
+          <a:xfrm>
+            <a:off x="6772275" y="3924300"/>
+            <a:ext cx="161681" cy="326666"/>
+          </a:xfrm>
+          <a:custGeom>
+            <a:avLst/>
+            <a:gdLst>
+              <a:gd name="connsiteX0" fmla="*/ 76200 w 161681"/>
+              <a:gd name="connsiteY0" fmla="*/ 0 h 326666"/>
+              <a:gd name="connsiteX1" fmla="*/ 76200 w 161681"/>
+              <a:gd name="connsiteY1" fmla="*/ 123825 h 326666"/>
+              <a:gd name="connsiteX2" fmla="*/ 104775 w 161681"/>
+              <a:gd name="connsiteY2" fmla="*/ 142875 h 326666"/>
+              <a:gd name="connsiteX3" fmla="*/ 133350 w 161681"/>
+              <a:gd name="connsiteY3" fmla="*/ 314325 h 326666"/>
+              <a:gd name="connsiteX4" fmla="*/ 0 w 161681"/>
+              <a:gd name="connsiteY4" fmla="*/ 314325 h 326666"/>
+            </a:gdLst>
+            <a:ahLst/>
+            <a:cxnLst>
+              <a:cxn ang="0">
+                <a:pos x="connsiteX0" y="connsiteY0"/>
+              </a:cxn>
+              <a:cxn ang="0">
+                <a:pos x="connsiteX1" y="connsiteY1"/>
+              </a:cxn>
+              <a:cxn ang="0">
+                <a:pos x="connsiteX2" y="connsiteY2"/>
+              </a:cxn>
+              <a:cxn ang="0">
+                <a:pos x="connsiteX3" y="connsiteY3"/>
+              </a:cxn>
+              <a:cxn ang="0">
+                <a:pos x="connsiteX4" y="connsiteY4"/>
+              </a:cxn>
+            </a:cxnLst>
+            <a:rect l="l" t="t" r="r" b="b"/>
+            <a:pathLst>
+              <a:path w="161681" h="326666">
+                <a:moveTo>
+                  <a:pt x="76200" y="0"/>
+                </a:moveTo>
+                <a:cubicBezTo>
+                  <a:pt x="67004" y="45980"/>
+                  <a:pt x="56209" y="73848"/>
+                  <a:pt x="76200" y="123825"/>
+                </a:cubicBezTo>
+                <a:cubicBezTo>
+                  <a:pt x="80452" y="134454"/>
+                  <a:pt x="95250" y="136525"/>
+                  <a:pt x="104775" y="142875"/>
+                </a:cubicBezTo>
+                <a:cubicBezTo>
+                  <a:pt x="130762" y="181855"/>
+                  <a:pt x="200418" y="260671"/>
+                  <a:pt x="133350" y="314325"/>
+                </a:cubicBezTo>
+                <a:cubicBezTo>
+                  <a:pt x="98640" y="342093"/>
+                  <a:pt x="44450" y="314325"/>
+                  <a:pt x="0" y="314325"/>
+                </a:cubicBezTo>
+              </a:path>
+            </a:pathLst>
+          </a:custGeom>
+          <a:noFill/>
+        </p:spPr>
+        <p:style>
+          <a:lnRef idx="2">
+            <a:schemeClr val="accent1">
+              <a:shade val="50000"/>
+            </a:schemeClr>
+          </a:lnRef>
+          <a:fillRef idx="1">
+            <a:schemeClr val="accent1"/>
+          </a:fillRef>
+          <a:effectRef idx="0">
+            <a:schemeClr val="accent1"/>
+          </a:effectRef>
+          <a:fontRef idx="minor">
+            <a:schemeClr val="lt1"/>
+          </a:fontRef>
+        </p:style>
+        <p:txBody>
+          <a:bodyPr rtlCol="0" anchor="ctr"/>
+          <a:lstStyle/>
+          <a:p>
+            <a:pPr algn="ctr"/>
+            <a:endParaRPr lang="en-US"/>
+          </a:p>
+        </p:txBody>
+      </p:sp>
+      <p:sp>
+        <p:nvSpPr>
+          <p:cNvPr id="22" name="Freeform 21"/>
+          <p:cNvSpPr/>
+          <p:nvPr/>
+        </p:nvSpPr>
+        <p:spPr>
+          <a:xfrm>
+            <a:off x="7000875" y="3924300"/>
+            <a:ext cx="163102" cy="171478"/>
+          </a:xfrm>
+          <a:custGeom>
+            <a:avLst/>
+            <a:gdLst>
+              <a:gd name="connsiteX0" fmla="*/ 85725 w 163102"/>
+              <a:gd name="connsiteY0" fmla="*/ 0 h 171478"/>
+              <a:gd name="connsiteX1" fmla="*/ 47625 w 163102"/>
+              <a:gd name="connsiteY1" fmla="*/ 47625 h 171478"/>
+              <a:gd name="connsiteX2" fmla="*/ 142875 w 163102"/>
+              <a:gd name="connsiteY2" fmla="*/ 76200 h 171478"/>
+              <a:gd name="connsiteX3" fmla="*/ 152400 w 163102"/>
+              <a:gd name="connsiteY3" fmla="*/ 142875 h 171478"/>
+              <a:gd name="connsiteX4" fmla="*/ 104775 w 163102"/>
+              <a:gd name="connsiteY4" fmla="*/ 152400 h 171478"/>
+              <a:gd name="connsiteX5" fmla="*/ 76200 w 163102"/>
+              <a:gd name="connsiteY5" fmla="*/ 161925 h 171478"/>
+              <a:gd name="connsiteX6" fmla="*/ 0 w 163102"/>
+              <a:gd name="connsiteY6" fmla="*/ 171450 h 171478"/>
+            </a:gdLst>
+            <a:ahLst/>
+            <a:cxnLst>
+              <a:cxn ang="0">
+                <a:pos x="connsiteX0" y="connsiteY0"/>
+              </a:cxn>
+              <a:cxn ang="0">
+                <a:pos x="connsiteX1" y="connsiteY1"/>
+              </a:cxn>
+              <a:cxn ang="0">
+                <a:pos x="connsiteX2" y="connsiteY2"/>
+              </a:cxn>
+              <a:cxn ang="0">
+                <a:pos x="connsiteX3" y="connsiteY3"/>
+              </a:cxn>
+              <a:cxn ang="0">
+                <a:pos x="connsiteX4" y="connsiteY4"/>
+              </a:cxn>
+              <a:cxn ang="0">
+                <a:pos x="connsiteX5" y="connsiteY5"/>
+              </a:cxn>
+              <a:cxn ang="0">
+                <a:pos x="connsiteX6" y="connsiteY6"/>
+              </a:cxn>
+            </a:cxnLst>
+            <a:rect l="l" t="t" r="r" b="b"/>
+            <a:pathLst>
+              <a:path w="163102" h="171478">
+                <a:moveTo>
+                  <a:pt x="85725" y="0"/>
+                </a:moveTo>
+                <a:cubicBezTo>
+                  <a:pt x="73025" y="15875"/>
+                  <a:pt x="42040" y="28077"/>
+                  <a:pt x="47625" y="47625"/>
+                </a:cubicBezTo>
+                <a:cubicBezTo>
+                  <a:pt x="49409" y="53868"/>
+                  <a:pt x="129485" y="72852"/>
+                  <a:pt x="142875" y="76200"/>
+                </a:cubicBezTo>
+                <a:cubicBezTo>
+                  <a:pt x="149072" y="88595"/>
+                  <a:pt x="178678" y="125356"/>
+                  <a:pt x="152400" y="142875"/>
+                </a:cubicBezTo>
+                <a:cubicBezTo>
+                  <a:pt x="138930" y="151855"/>
+                  <a:pt x="120481" y="148473"/>
+                  <a:pt x="104775" y="152400"/>
+                </a:cubicBezTo>
+                <a:cubicBezTo>
+                  <a:pt x="95035" y="154835"/>
+                  <a:pt x="86001" y="159747"/>
+                  <a:pt x="76200" y="161925"/>
+                </a:cubicBezTo>
+                <a:cubicBezTo>
+                  <a:pt x="28640" y="172494"/>
+                  <a:pt x="33150" y="171450"/>
+                  <a:pt x="0" y="171450"/>
+                </a:cubicBezTo>
+              </a:path>
+            </a:pathLst>
+          </a:custGeom>
+          <a:noFill/>
+        </p:spPr>
+        <p:style>
+          <a:lnRef idx="2">
+            <a:schemeClr val="accent1">
+              <a:shade val="50000"/>
+            </a:schemeClr>
+          </a:lnRef>
+          <a:fillRef idx="1">
+            <a:schemeClr val="accent1"/>
+          </a:fillRef>
+          <a:effectRef idx="0">
+            <a:schemeClr val="accent1"/>
+          </a:effectRef>
+          <a:fontRef idx="minor">
+            <a:schemeClr val="lt1"/>
+          </a:fontRef>
+        </p:style>
+        <p:txBody>
+          <a:bodyPr rtlCol="0" anchor="ctr"/>
+          <a:lstStyle/>
+          <a:p>
+            <a:pPr algn="ctr"/>
+            <a:endParaRPr lang="en-US"/>
+          </a:p>
+        </p:txBody>
+      </p:sp>
+      <p:sp>
+        <p:nvSpPr>
+          <p:cNvPr id="23" name="Freeform 22"/>
+          <p:cNvSpPr/>
+          <p:nvPr/>
+        </p:nvSpPr>
+        <p:spPr>
+          <a:xfrm>
+            <a:off x="7751008" y="3886200"/>
+            <a:ext cx="223478" cy="305264"/>
+          </a:xfrm>
+          <a:custGeom>
+            <a:avLst/>
+            <a:gdLst>
+              <a:gd name="connsiteX0" fmla="*/ 69017 w 223478"/>
+              <a:gd name="connsiteY0" fmla="*/ 0 h 305264"/>
+              <a:gd name="connsiteX1" fmla="*/ 21392 w 223478"/>
+              <a:gd name="connsiteY1" fmla="*/ 76200 h 305264"/>
+              <a:gd name="connsiteX2" fmla="*/ 69017 w 223478"/>
+              <a:gd name="connsiteY2" fmla="*/ 95250 h 305264"/>
+              <a:gd name="connsiteX3" fmla="*/ 97592 w 223478"/>
+              <a:gd name="connsiteY3" fmla="*/ 104775 h 305264"/>
+              <a:gd name="connsiteX4" fmla="*/ 126167 w 223478"/>
+              <a:gd name="connsiteY4" fmla="*/ 123825 h 305264"/>
+              <a:gd name="connsiteX5" fmla="*/ 202367 w 223478"/>
+              <a:gd name="connsiteY5" fmla="*/ 142875 h 305264"/>
+              <a:gd name="connsiteX6" fmla="*/ 221417 w 223478"/>
+              <a:gd name="connsiteY6" fmla="*/ 171450 h 305264"/>
+              <a:gd name="connsiteX7" fmla="*/ 211892 w 223478"/>
+              <a:gd name="connsiteY7" fmla="*/ 266700 h 305264"/>
+              <a:gd name="connsiteX8" fmla="*/ 116642 w 223478"/>
+              <a:gd name="connsiteY8" fmla="*/ 304800 h 305264"/>
+              <a:gd name="connsiteX9" fmla="*/ 97592 w 223478"/>
+              <a:gd name="connsiteY9" fmla="*/ 304800 h 305264"/>
+            </a:gdLst>
+            <a:ahLst/>
+            <a:cxnLst>
+              <a:cxn ang="0">
+                <a:pos x="connsiteX0" y="connsiteY0"/>
+              </a:cxn>
+              <a:cxn ang="0">
+                <a:pos x="connsiteX1" y="connsiteY1"/>
+              </a:cxn>
+              <a:cxn ang="0">
+                <a:pos x="connsiteX2" y="connsiteY2"/>
+              </a:cxn>
+              <a:cxn ang="0">
+                <a:pos x="connsiteX3" y="connsiteY3"/>
+              </a:cxn>
+              <a:cxn ang="0">
+                <a:pos x="connsiteX4" y="connsiteY4"/>
+              </a:cxn>
+              <a:cxn ang="0">
+                <a:pos x="connsiteX5" y="connsiteY5"/>
+              </a:cxn>
+              <a:cxn ang="0">
+                <a:pos x="connsiteX6" y="connsiteY6"/>
+              </a:cxn>
+              <a:cxn ang="0">
+                <a:pos x="connsiteX7" y="connsiteY7"/>
+              </a:cxn>
+              <a:cxn ang="0">
+                <a:pos x="connsiteX8" y="connsiteY8"/>
+              </a:cxn>
+              <a:cxn ang="0">
+                <a:pos x="connsiteX9" y="connsiteY9"/>
+              </a:cxn>
+            </a:cxnLst>
+            <a:rect l="l" t="t" r="r" b="b"/>
+            <a:pathLst>
+              <a:path w="223478" h="305264">
+                <a:moveTo>
+                  <a:pt x="69017" y="0"/>
+                </a:moveTo>
+                <a:cubicBezTo>
+                  <a:pt x="24514" y="7417"/>
+                  <a:pt x="-31310" y="-2853"/>
+                  <a:pt x="21392" y="76200"/>
+                </a:cubicBezTo>
+                <a:cubicBezTo>
+                  <a:pt x="30876" y="90426"/>
+                  <a:pt x="53008" y="89247"/>
+                  <a:pt x="69017" y="95250"/>
+                </a:cubicBezTo>
+                <a:cubicBezTo>
+                  <a:pt x="78418" y="98775"/>
+                  <a:pt x="88612" y="100285"/>
+                  <a:pt x="97592" y="104775"/>
+                </a:cubicBezTo>
+                <a:cubicBezTo>
+                  <a:pt x="107831" y="109895"/>
+                  <a:pt x="115409" y="119913"/>
+                  <a:pt x="126167" y="123825"/>
+                </a:cubicBezTo>
+                <a:cubicBezTo>
+                  <a:pt x="150772" y="132772"/>
+                  <a:pt x="176967" y="136525"/>
+                  <a:pt x="202367" y="142875"/>
+                </a:cubicBezTo>
+                <a:cubicBezTo>
+                  <a:pt x="208717" y="152400"/>
+                  <a:pt x="220539" y="160036"/>
+                  <a:pt x="221417" y="171450"/>
+                </a:cubicBezTo>
+                <a:cubicBezTo>
+                  <a:pt x="223864" y="203264"/>
+                  <a:pt x="227020" y="238606"/>
+                  <a:pt x="211892" y="266700"/>
+                </a:cubicBezTo>
+                <a:cubicBezTo>
+                  <a:pt x="203027" y="283163"/>
+                  <a:pt x="138530" y="301152"/>
+                  <a:pt x="116642" y="304800"/>
+                </a:cubicBezTo>
+                <a:cubicBezTo>
+                  <a:pt x="110378" y="305844"/>
+                  <a:pt x="103942" y="304800"/>
+                  <a:pt x="97592" y="304800"/>
+                </a:cubicBezTo>
+              </a:path>
+            </a:pathLst>
+          </a:custGeom>
+          <a:noFill/>
+        </p:spPr>
+        <p:style>
+          <a:lnRef idx="2">
+            <a:schemeClr val="accent1">
+              <a:shade val="50000"/>
+            </a:schemeClr>
+          </a:lnRef>
+          <a:fillRef idx="1">
+            <a:schemeClr val="accent1"/>
+          </a:fillRef>
+          <a:effectRef idx="0">
+            <a:schemeClr val="accent1"/>
+          </a:effectRef>
+          <a:fontRef idx="minor">
+            <a:schemeClr val="lt1"/>
+          </a:fontRef>
+        </p:style>
+        <p:txBody>
+          <a:bodyPr rtlCol="0" anchor="ctr"/>
+          <a:lstStyle/>
+          <a:p>
+            <a:pPr algn="ctr"/>
+            <a:endParaRPr lang="en-US"/>
+          </a:p>
+        </p:txBody>
+      </p:sp>
+      <p:sp>
+        <p:nvSpPr>
+          <p:cNvPr id="24" name="Freeform 23"/>
+          <p:cNvSpPr/>
+          <p:nvPr/>
+        </p:nvSpPr>
+        <p:spPr>
+          <a:xfrm>
+            <a:off x="8152916" y="3923003"/>
+            <a:ext cx="133834" cy="248947"/>
+          </a:xfrm>
+          <a:custGeom>
+            <a:avLst/>
+            <a:gdLst>
+              <a:gd name="connsiteX0" fmla="*/ 67159 w 133834"/>
+              <a:gd name="connsiteY0" fmla="*/ 10822 h 248947"/>
+              <a:gd name="connsiteX1" fmla="*/ 19534 w 133834"/>
+              <a:gd name="connsiteY1" fmla="*/ 1297 h 248947"/>
+              <a:gd name="connsiteX2" fmla="*/ 10009 w 133834"/>
+              <a:gd name="connsiteY2" fmla="*/ 29872 h 248947"/>
+              <a:gd name="connsiteX3" fmla="*/ 19534 w 133834"/>
+              <a:gd name="connsiteY3" fmla="*/ 87022 h 248947"/>
+              <a:gd name="connsiteX4" fmla="*/ 67159 w 133834"/>
+              <a:gd name="connsiteY4" fmla="*/ 96547 h 248947"/>
+              <a:gd name="connsiteX5" fmla="*/ 133834 w 133834"/>
+              <a:gd name="connsiteY5" fmla="*/ 106072 h 248947"/>
+              <a:gd name="connsiteX6" fmla="*/ 124309 w 133834"/>
+              <a:gd name="connsiteY6" fmla="*/ 153697 h 248947"/>
+              <a:gd name="connsiteX7" fmla="*/ 19534 w 133834"/>
+              <a:gd name="connsiteY7" fmla="*/ 191797 h 248947"/>
+              <a:gd name="connsiteX8" fmla="*/ 484 w 133834"/>
+              <a:gd name="connsiteY8" fmla="*/ 248947 h 248947"/>
+            </a:gdLst>
+            <a:ahLst/>
+            <a:cxnLst>
+              <a:cxn ang="0">
+                <a:pos x="connsiteX0" y="connsiteY0"/>
+              </a:cxn>
+              <a:cxn ang="0">
+                <a:pos x="connsiteX1" y="connsiteY1"/>
+              </a:cxn>
+              <a:cxn ang="0">
+                <a:pos x="connsiteX2" y="connsiteY2"/>
+              </a:cxn>
+              <a:cxn ang="0">
+                <a:pos x="connsiteX3" y="connsiteY3"/>
+              </a:cxn>
+              <a:cxn ang="0">
+                <a:pos x="connsiteX4" y="connsiteY4"/>
+              </a:cxn>
+              <a:cxn ang="0">
+                <a:pos x="connsiteX5" y="connsiteY5"/>
+              </a:cxn>
+              <a:cxn ang="0">
+                <a:pos x="connsiteX6" y="connsiteY6"/>
+              </a:cxn>
+              <a:cxn ang="0">
+                <a:pos x="connsiteX7" y="connsiteY7"/>
+              </a:cxn>
+              <a:cxn ang="0">
+                <a:pos x="connsiteX8" y="connsiteY8"/>
+              </a:cxn>
+            </a:cxnLst>
+            <a:rect l="l" t="t" r="r" b="b"/>
+            <a:pathLst>
+              <a:path w="133834" h="248947">
+                <a:moveTo>
+                  <a:pt x="67159" y="10822"/>
+                </a:moveTo>
+                <a:cubicBezTo>
+                  <a:pt x="51284" y="7647"/>
+                  <a:pt x="34893" y="-3823"/>
+                  <a:pt x="19534" y="1297"/>
+                </a:cubicBezTo>
+                <a:cubicBezTo>
+                  <a:pt x="10009" y="4472"/>
+                  <a:pt x="10009" y="19832"/>
+                  <a:pt x="10009" y="29872"/>
+                </a:cubicBezTo>
+                <a:cubicBezTo>
+                  <a:pt x="10009" y="49185"/>
+                  <a:pt x="6965" y="72359"/>
+                  <a:pt x="19534" y="87022"/>
+                </a:cubicBezTo>
+                <a:cubicBezTo>
+                  <a:pt x="30070" y="99314"/>
+                  <a:pt x="51190" y="93885"/>
+                  <a:pt x="67159" y="96547"/>
+                </a:cubicBezTo>
+                <a:cubicBezTo>
+                  <a:pt x="89304" y="100238"/>
+                  <a:pt x="111609" y="102897"/>
+                  <a:pt x="133834" y="106072"/>
+                </a:cubicBezTo>
+                <a:cubicBezTo>
+                  <a:pt x="130659" y="121947"/>
+                  <a:pt x="131549" y="139217"/>
+                  <a:pt x="124309" y="153697"/>
+                </a:cubicBezTo>
+                <a:cubicBezTo>
+                  <a:pt x="102527" y="197261"/>
+                  <a:pt x="61795" y="186514"/>
+                  <a:pt x="19534" y="191797"/>
+                </a:cubicBezTo>
+                <a:cubicBezTo>
+                  <a:pt x="-4800" y="228297"/>
+                  <a:pt x="484" y="208924"/>
+                  <a:pt x="484" y="248947"/>
+                </a:cubicBezTo>
+              </a:path>
+            </a:pathLst>
+          </a:custGeom>
+          <a:noFill/>
+        </p:spPr>
+        <p:style>
+          <a:lnRef idx="2">
+            <a:schemeClr val="accent1">
+              <a:shade val="50000"/>
+            </a:schemeClr>
+          </a:lnRef>
+          <a:fillRef idx="1">
+            <a:schemeClr val="accent1"/>
+          </a:fillRef>
+          <a:effectRef idx="0">
+            <a:schemeClr val="accent1"/>
+          </a:effectRef>
+          <a:fontRef idx="minor">
+            <a:schemeClr val="lt1"/>
+          </a:fontRef>
+        </p:style>
+        <p:txBody>
+          <a:bodyPr rtlCol="0" anchor="ctr"/>
+          <a:lstStyle/>
+          <a:p>
+            <a:pPr algn="ctr"/>
+            <a:endParaRPr lang="en-US"/>
+          </a:p>
+        </p:txBody>
+      </p:sp>
+      <p:sp>
+        <p:nvSpPr>
+          <p:cNvPr id="25" name="Rectangle 24"/>
+          <p:cNvSpPr/>
+          <p:nvPr/>
+        </p:nvSpPr>
+        <p:spPr>
+          <a:xfrm>
+            <a:off x="5327882" y="3423552"/>
+            <a:ext cx="824265" cy="215444"/>
+          </a:xfrm>
+          <a:prstGeom prst="rect">
+            <a:avLst/>
+          </a:prstGeom>
+        </p:spPr>
+        <p:style>
+          <a:lnRef idx="1">
+            <a:schemeClr val="accent5"/>
+          </a:lnRef>
+          <a:fillRef idx="3">
+            <a:schemeClr val="accent5"/>
+          </a:fillRef>
+          <a:effectRef idx="2">
+            <a:schemeClr val="accent5"/>
+          </a:effectRef>
+          <a:fontRef idx="minor">
+            <a:schemeClr val="lt1"/>
+          </a:fontRef>
+        </p:style>
+        <p:txBody>
+          <a:bodyPr wrap="none">
+            <a:spAutoFit/>
+          </a:bodyPr>
+          <a:lstStyle/>
+          <a:p>
+            <a:r>
+              <a:rPr lang="en-US" sz="800" dirty="0" smtClean="0"/>
+              <a:t>ThreadGroup A</a:t>
+            </a:r>
+            <a:endParaRPr lang="en-US" sz="800" dirty="0"/>
+          </a:p>
+        </p:txBody>
+      </p:sp>
+      <p:sp>
+        <p:nvSpPr>
+          <p:cNvPr id="26" name="Rectangle 25"/>
+          <p:cNvSpPr/>
+          <p:nvPr/>
+        </p:nvSpPr>
+        <p:spPr>
+          <a:xfrm>
+            <a:off x="7471007" y="3423552"/>
+            <a:ext cx="819455" cy="215444"/>
+          </a:xfrm>
+          <a:prstGeom prst="rect">
+            <a:avLst/>
+          </a:prstGeom>
+        </p:spPr>
+        <p:style>
+          <a:lnRef idx="1">
+            <a:schemeClr val="accent5"/>
+          </a:lnRef>
+          <a:fillRef idx="3">
+            <a:schemeClr val="accent5"/>
+          </a:fillRef>
+          <a:effectRef idx="2">
+            <a:schemeClr val="accent5"/>
+          </a:effectRef>
+          <a:fontRef idx="minor">
+            <a:schemeClr val="lt1"/>
+          </a:fontRef>
+        </p:style>
+        <p:txBody>
+          <a:bodyPr wrap="none">
+            <a:spAutoFit/>
+          </a:bodyPr>
+          <a:lstStyle/>
+          <a:p>
+            <a:r>
+              <a:rPr lang="en-US" sz="800" dirty="0" smtClean="0"/>
+              <a:t>ThreadGroup C</a:t>
+            </a:r>
+            <a:endParaRPr lang="en-US" sz="800" dirty="0"/>
+          </a:p>
+        </p:txBody>
+      </p:sp>
+      <p:sp>
+        <p:nvSpPr>
+          <p:cNvPr id="27" name="Rectangle 26"/>
+          <p:cNvSpPr/>
+          <p:nvPr/>
+        </p:nvSpPr>
+        <p:spPr>
+          <a:xfrm>
+            <a:off x="6369532" y="3423552"/>
+            <a:ext cx="821059" cy="215444"/>
+          </a:xfrm>
+          <a:prstGeom prst="rect">
+            <a:avLst/>
+          </a:prstGeom>
+        </p:spPr>
+        <p:style>
+          <a:lnRef idx="1">
+            <a:schemeClr val="accent5"/>
+          </a:lnRef>
+          <a:fillRef idx="3">
+            <a:schemeClr val="accent5"/>
+          </a:fillRef>
+          <a:effectRef idx="2">
+            <a:schemeClr val="accent5"/>
+          </a:effectRef>
+          <a:fontRef idx="minor">
+            <a:schemeClr val="lt1"/>
+          </a:fontRef>
+        </p:style>
+        <p:txBody>
+          <a:bodyPr wrap="none">
+            <a:spAutoFit/>
+          </a:bodyPr>
+          <a:lstStyle/>
+          <a:p>
+            <a:r>
+              <a:rPr lang="en-US" sz="800" dirty="0" smtClean="0"/>
+              <a:t>ThreadGroup B</a:t>
+            </a:r>
+            <a:endParaRPr lang="en-US" sz="800" dirty="0"/>
           </a:p>
         </p:txBody>
       </p:sp>
@@ -5343,7 +6642,6 @@
               <a:rPr lang="en-US" sz="1200" dirty="0"/>
               <a:t>are the thread names.</a:t>
             </a:r>
-            <a:endParaRPr lang="en-US" sz="1200" dirty="0"/>
           </a:p>
         </p:txBody>
       </p:sp>
@@ -5383,21 +6681,8 @@
             <a:pPr algn="ctr"/>
             <a:r>
               <a:rPr lang="en-US" sz="1200" dirty="0"/>
-              <a:t>Thread.currentThread</a:t>
-            </a:r>
-            <a:r>
-              <a:rPr lang="en-US" sz="1200" dirty="0"/>
-              <a:t>().</a:t>
-            </a:r>
-            <a:r>
-              <a:rPr lang="en-US" sz="1200" dirty="0"/>
-              <a:t>getThreadGroup</a:t>
-            </a:r>
-            <a:r>
-              <a:rPr lang="en-US" sz="1200" dirty="0"/>
-              <a:t>().interrupt();  </a:t>
-            </a:r>
-            <a:endParaRPr lang="en-US" sz="1200" dirty="0"/>
+              <a:t>Thread.currentThread().getThreadGroup().interrupt();  </a:t>
+            </a:r>
           </a:p>
         </p:txBody>
       </p:sp>
@@ -5476,7 +6761,6 @@
               <a:rPr lang="en-US" sz="1100" dirty="0"/>
               <a:t>Now we can interrupt all threads by a single line of code only.</a:t>
             </a:r>
-            <a:endParaRPr lang="en-US" sz="1100" dirty="0"/>
           </a:p>
         </p:txBody>
       </p:sp>
